--- a/Deck/Module 3 - WebDriver Basics.pptx
+++ b/Deck/Module 3 - WebDriver Basics.pptx
@@ -5,7 +5,7 @@
     <p:sldMasterId id="2147483648" r:id="rId1"/>
   </p:sldMasterIdLst>
   <p:notesMasterIdLst>
-    <p:notesMasterId r:id="rId16"/>
+    <p:notesMasterId r:id="rId18"/>
   </p:notesMasterIdLst>
   <p:sldIdLst>
     <p:sldId id="256" r:id="rId2"/>
@@ -18,10 +18,12 @@
     <p:sldId id="267" r:id="rId9"/>
     <p:sldId id="268" r:id="rId10"/>
     <p:sldId id="269" r:id="rId11"/>
-    <p:sldId id="263" r:id="rId12"/>
-    <p:sldId id="272" r:id="rId13"/>
-    <p:sldId id="273" r:id="rId14"/>
-    <p:sldId id="260" r:id="rId15"/>
+    <p:sldId id="275" r:id="rId12"/>
+    <p:sldId id="263" r:id="rId13"/>
+    <p:sldId id="272" r:id="rId14"/>
+    <p:sldId id="273" r:id="rId15"/>
+    <p:sldId id="260" r:id="rId16"/>
+    <p:sldId id="274" r:id="rId17"/>
   </p:sldIdLst>
   <p:sldSz cx="12192000" cy="6858000"/>
   <p:notesSz cx="6858000" cy="9144000"/>
@@ -210,7 +212,7 @@
           <a:p>
             <a:fld id="{91069913-EAD9-403C-BDF6-9D5D62D51819}" type="datetimeFigureOut">
               <a:rPr lang="en-PH" smtClean="0"/>
-              <a:t>3/25/2025</a:t>
+              <a:t>3/26/2025</a:t>
             </a:fld>
             <a:endParaRPr lang="en-PH"/>
           </a:p>
@@ -711,7 +713,7 @@
           <a:p>
             <a:fld id="{0F0D73FC-F40D-4ECD-9DA2-01ACAE0008EF}" type="datetimeFigureOut">
               <a:rPr lang="en-PH" smtClean="0"/>
-              <a:t>3/25/2025</a:t>
+              <a:t>3/26/2025</a:t>
             </a:fld>
             <a:endParaRPr lang="en-PH"/>
           </a:p>
@@ -911,7 +913,7 @@
           <a:p>
             <a:fld id="{0F0D73FC-F40D-4ECD-9DA2-01ACAE0008EF}" type="datetimeFigureOut">
               <a:rPr lang="en-PH" smtClean="0"/>
-              <a:t>3/25/2025</a:t>
+              <a:t>3/26/2025</a:t>
             </a:fld>
             <a:endParaRPr lang="en-PH"/>
           </a:p>
@@ -1121,7 +1123,7 @@
           <a:p>
             <a:fld id="{0F0D73FC-F40D-4ECD-9DA2-01ACAE0008EF}" type="datetimeFigureOut">
               <a:rPr lang="en-PH" smtClean="0"/>
-              <a:t>3/25/2025</a:t>
+              <a:t>3/26/2025</a:t>
             </a:fld>
             <a:endParaRPr lang="en-PH"/>
           </a:p>
@@ -1321,7 +1323,7 @@
           <a:p>
             <a:fld id="{0F0D73FC-F40D-4ECD-9DA2-01ACAE0008EF}" type="datetimeFigureOut">
               <a:rPr lang="en-PH" smtClean="0"/>
-              <a:t>3/25/2025</a:t>
+              <a:t>3/26/2025</a:t>
             </a:fld>
             <a:endParaRPr lang="en-PH"/>
           </a:p>
@@ -1597,7 +1599,7 @@
           <a:p>
             <a:fld id="{0F0D73FC-F40D-4ECD-9DA2-01ACAE0008EF}" type="datetimeFigureOut">
               <a:rPr lang="en-PH" smtClean="0"/>
-              <a:t>3/25/2025</a:t>
+              <a:t>3/26/2025</a:t>
             </a:fld>
             <a:endParaRPr lang="en-PH"/>
           </a:p>
@@ -1865,7 +1867,7 @@
           <a:p>
             <a:fld id="{0F0D73FC-F40D-4ECD-9DA2-01ACAE0008EF}" type="datetimeFigureOut">
               <a:rPr lang="en-PH" smtClean="0"/>
-              <a:t>3/25/2025</a:t>
+              <a:t>3/26/2025</a:t>
             </a:fld>
             <a:endParaRPr lang="en-PH"/>
           </a:p>
@@ -2280,7 +2282,7 @@
           <a:p>
             <a:fld id="{0F0D73FC-F40D-4ECD-9DA2-01ACAE0008EF}" type="datetimeFigureOut">
               <a:rPr lang="en-PH" smtClean="0"/>
-              <a:t>3/25/2025</a:t>
+              <a:t>3/26/2025</a:t>
             </a:fld>
             <a:endParaRPr lang="en-PH"/>
           </a:p>
@@ -2422,7 +2424,7 @@
           <a:p>
             <a:fld id="{0F0D73FC-F40D-4ECD-9DA2-01ACAE0008EF}" type="datetimeFigureOut">
               <a:rPr lang="en-PH" smtClean="0"/>
-              <a:t>3/25/2025</a:t>
+              <a:t>3/26/2025</a:t>
             </a:fld>
             <a:endParaRPr lang="en-PH"/>
           </a:p>
@@ -2535,7 +2537,7 @@
           <a:p>
             <a:fld id="{0F0D73FC-F40D-4ECD-9DA2-01ACAE0008EF}" type="datetimeFigureOut">
               <a:rPr lang="en-PH" smtClean="0"/>
-              <a:t>3/25/2025</a:t>
+              <a:t>3/26/2025</a:t>
             </a:fld>
             <a:endParaRPr lang="en-PH"/>
           </a:p>
@@ -2848,7 +2850,7 @@
           <a:p>
             <a:fld id="{0F0D73FC-F40D-4ECD-9DA2-01ACAE0008EF}" type="datetimeFigureOut">
               <a:rPr lang="en-PH" smtClean="0"/>
-              <a:t>3/25/2025</a:t>
+              <a:t>3/26/2025</a:t>
             </a:fld>
             <a:endParaRPr lang="en-PH"/>
           </a:p>
@@ -3137,7 +3139,7 @@
           <a:p>
             <a:fld id="{0F0D73FC-F40D-4ECD-9DA2-01ACAE0008EF}" type="datetimeFigureOut">
               <a:rPr lang="en-PH" smtClean="0"/>
-              <a:t>3/25/2025</a:t>
+              <a:t>3/26/2025</a:t>
             </a:fld>
             <a:endParaRPr lang="en-PH"/>
           </a:p>
@@ -3380,7 +3382,7 @@
           <a:p>
             <a:fld id="{0F0D73FC-F40D-4ECD-9DA2-01ACAE0008EF}" type="datetimeFigureOut">
               <a:rPr lang="en-PH" smtClean="0"/>
-              <a:t>3/25/2025</a:t>
+              <a:t>3/26/2025</a:t>
             </a:fld>
             <a:endParaRPr lang="en-PH"/>
           </a:p>
@@ -4409,6 +4411,240 @@
         <p:cNvPr id="1" name="">
           <a:extLst>
             <a:ext uri="{FF2B5EF4-FFF2-40B4-BE49-F238E27FC236}">
+              <a16:creationId xmlns:a16="http://schemas.microsoft.com/office/drawing/2014/main" id="{8B40C241-28C2-29AC-1109-E8EDBC9A01C2}"/>
+            </a:ext>
+          </a:extLst>
+        </p:cNvPr>
+        <p:cNvGrpSpPr/>
+        <p:nvPr/>
+      </p:nvGrpSpPr>
+      <p:grpSpPr>
+        <a:xfrm>
+          <a:off x="0" y="0"/>
+          <a:ext cx="0" cy="0"/>
+          <a:chOff x="0" y="0"/>
+          <a:chExt cx="0" cy="0"/>
+        </a:xfrm>
+      </p:grpSpPr>
+      <p:grpSp>
+        <p:nvGrpSpPr>
+          <p:cNvPr id="8" name="Group 7">
+            <a:extLst>
+              <a:ext uri="{FF2B5EF4-FFF2-40B4-BE49-F238E27FC236}">
+                <a16:creationId xmlns:a16="http://schemas.microsoft.com/office/drawing/2014/main" id="{76291DAF-423F-C584-E1B4-8CF106EF3A9B}"/>
+              </a:ext>
+            </a:extLst>
+          </p:cNvPr>
+          <p:cNvGrpSpPr/>
+          <p:nvPr/>
+        </p:nvGrpSpPr>
+        <p:grpSpPr>
+          <a:xfrm>
+            <a:off x="1" y="-4473"/>
+            <a:ext cx="12191999" cy="1798983"/>
+            <a:chOff x="1" y="-4473"/>
+            <a:chExt cx="12191999" cy="1798983"/>
+          </a:xfrm>
+        </p:grpSpPr>
+        <p:pic>
+          <p:nvPicPr>
+            <p:cNvPr id="4" name="image2.png">
+              <a:extLst>
+                <a:ext uri="{FF2B5EF4-FFF2-40B4-BE49-F238E27FC236}">
+                  <a16:creationId xmlns:a16="http://schemas.microsoft.com/office/drawing/2014/main" id="{8A1B8F58-8B80-021F-08BC-C696DF1C0E5D}"/>
+                </a:ext>
+              </a:extLst>
+            </p:cNvPr>
+            <p:cNvPicPr/>
+            <p:nvPr/>
+          </p:nvPicPr>
+          <p:blipFill>
+            <a:blip r:embed="rId2"/>
+            <a:srcRect r="17643"/>
+            <a:stretch/>
+          </p:blipFill>
+          <p:spPr>
+            <a:xfrm>
+              <a:off x="1" y="0"/>
+              <a:ext cx="6410035" cy="1794510"/>
+            </a:xfrm>
+            <a:prstGeom prst="rect">
+              <a:avLst/>
+            </a:prstGeom>
+            <a:ln/>
+          </p:spPr>
+        </p:pic>
+        <p:pic>
+          <p:nvPicPr>
+            <p:cNvPr id="7" name="image2.png">
+              <a:extLst>
+                <a:ext uri="{FF2B5EF4-FFF2-40B4-BE49-F238E27FC236}">
+                  <a16:creationId xmlns:a16="http://schemas.microsoft.com/office/drawing/2014/main" id="{FFB137A5-E1A8-EA67-D2ED-0854C5A1AE90}"/>
+                </a:ext>
+              </a:extLst>
+            </p:cNvPr>
+            <p:cNvPicPr/>
+            <p:nvPr/>
+          </p:nvPicPr>
+          <p:blipFill>
+            <a:blip r:embed="rId2"/>
+            <a:srcRect l="74798" r="17643"/>
+            <a:stretch/>
+          </p:blipFill>
+          <p:spPr>
+            <a:xfrm>
+              <a:off x="5821680" y="-4473"/>
+              <a:ext cx="6370320" cy="1794510"/>
+            </a:xfrm>
+            <a:prstGeom prst="rect">
+              <a:avLst/>
+            </a:prstGeom>
+            <a:ln/>
+          </p:spPr>
+        </p:pic>
+      </p:grpSp>
+      <p:sp>
+        <p:nvSpPr>
+          <p:cNvPr id="12" name="Content Placeholder 11">
+            <a:extLst>
+              <a:ext uri="{FF2B5EF4-FFF2-40B4-BE49-F238E27FC236}">
+                <a16:creationId xmlns:a16="http://schemas.microsoft.com/office/drawing/2014/main" id="{50BC6EF2-AFDB-24AE-7D28-05B82337AA0D}"/>
+              </a:ext>
+            </a:extLst>
+          </p:cNvPr>
+          <p:cNvSpPr>
+            <a:spLocks noGrp="1"/>
+          </p:cNvSpPr>
+          <p:nvPr>
+            <p:ph sz="half" idx="1"/>
+          </p:nvPr>
+        </p:nvSpPr>
+        <p:spPr>
+          <a:xfrm>
+            <a:off x="825672" y="1441189"/>
+            <a:ext cx="10867373" cy="4754563"/>
+          </a:xfrm>
+        </p:spPr>
+        <p:txBody>
+          <a:bodyPr>
+            <a:normAutofit/>
+          </a:bodyPr>
+          <a:lstStyle/>
+          <a:p>
+            <a:pPr marL="0" indent="0">
+              <a:lnSpc>
+                <a:spcPct val="150000"/>
+              </a:lnSpc>
+              <a:buNone/>
+            </a:pPr>
+            <a:r>
+              <a:rPr lang="en-US" sz="1600" b="1" dirty="0">
+                <a:solidFill>
+                  <a:schemeClr val="accent2"/>
+                </a:solidFill>
+                <a:latin typeface="Roboto" panose="02000000000000000000" pitchFamily="2" charset="0"/>
+                <a:ea typeface="Roboto" panose="02000000000000000000" pitchFamily="2" charset="0"/>
+                <a:cs typeface="Roboto" panose="02000000000000000000" pitchFamily="2" charset="0"/>
+              </a:rPr>
+              <a:t>Locating Web Elements</a:t>
+            </a:r>
+          </a:p>
+          <a:p>
+            <a:pPr lvl="1">
+              <a:lnSpc>
+                <a:spcPct val="200000"/>
+              </a:lnSpc>
+            </a:pPr>
+            <a:r>
+              <a:rPr lang="en-US" sz="1400" dirty="0">
+                <a:latin typeface="Roboto" panose="02000000000000000000" pitchFamily="2" charset="0"/>
+                <a:ea typeface="Roboto" panose="02000000000000000000" pitchFamily="2" charset="0"/>
+                <a:cs typeface="Roboto" panose="02000000000000000000" pitchFamily="2" charset="0"/>
+              </a:rPr>
+              <a:t>Useful tools in building locators </a:t>
+            </a:r>
+          </a:p>
+          <a:p>
+            <a:pPr lvl="2">
+              <a:lnSpc>
+                <a:spcPct val="200000"/>
+              </a:lnSpc>
+            </a:pPr>
+            <a:r>
+              <a:rPr lang="en-US" sz="1400" dirty="0">
+                <a:latin typeface="Roboto" panose="02000000000000000000" pitchFamily="2" charset="0"/>
+                <a:ea typeface="Roboto" panose="02000000000000000000" pitchFamily="2" charset="0"/>
+                <a:cs typeface="Roboto" panose="02000000000000000000" pitchFamily="2" charset="0"/>
+              </a:rPr>
+              <a:t>XPath cheat sheet - </a:t>
+            </a:r>
+            <a:r>
+              <a:rPr lang="en-US" sz="1400" dirty="0">
+                <a:latin typeface="Roboto" panose="02000000000000000000" pitchFamily="2" charset="0"/>
+                <a:ea typeface="Roboto" panose="02000000000000000000" pitchFamily="2" charset="0"/>
+                <a:cs typeface="Roboto" panose="02000000000000000000" pitchFamily="2" charset="0"/>
+                <a:hlinkClick r:id="rId3"/>
+              </a:rPr>
+              <a:t>https://devhints.io/xpath</a:t>
+            </a:r>
+            <a:endParaRPr lang="en-US" sz="1400" dirty="0">
+              <a:latin typeface="Roboto" panose="02000000000000000000" pitchFamily="2" charset="0"/>
+              <a:ea typeface="Roboto" panose="02000000000000000000" pitchFamily="2" charset="0"/>
+              <a:cs typeface="Roboto" panose="02000000000000000000" pitchFamily="2" charset="0"/>
+            </a:endParaRPr>
+          </a:p>
+          <a:p>
+            <a:pPr lvl="2">
+              <a:lnSpc>
+                <a:spcPct val="200000"/>
+              </a:lnSpc>
+            </a:pPr>
+            <a:r>
+              <a:rPr lang="en-US" sz="1400" dirty="0">
+                <a:latin typeface="Roboto" panose="02000000000000000000" pitchFamily="2" charset="0"/>
+                <a:ea typeface="Roboto" panose="02000000000000000000" pitchFamily="2" charset="0"/>
+                <a:cs typeface="Roboto" panose="02000000000000000000" pitchFamily="2" charset="0"/>
+              </a:rPr>
+              <a:t>CssSelector cheat sheet - </a:t>
+            </a:r>
+            <a:r>
+              <a:rPr lang="en-US" sz="1400" dirty="0">
+                <a:latin typeface="Roboto" panose="02000000000000000000" pitchFamily="2" charset="0"/>
+                <a:ea typeface="Roboto" panose="02000000000000000000" pitchFamily="2" charset="0"/>
+                <a:cs typeface="Roboto" panose="02000000000000000000" pitchFamily="2" charset="0"/>
+                <a:hlinkClick r:id="rId4"/>
+              </a:rPr>
+              <a:t>https://scrapfly.io/blog/css-selector-cheatsheet/</a:t>
+            </a:r>
+            <a:endParaRPr lang="en-US" sz="1400" dirty="0">
+              <a:latin typeface="Roboto" panose="02000000000000000000" pitchFamily="2" charset="0"/>
+              <a:ea typeface="Roboto" panose="02000000000000000000" pitchFamily="2" charset="0"/>
+              <a:cs typeface="Roboto" panose="02000000000000000000" pitchFamily="2" charset="0"/>
+            </a:endParaRPr>
+          </a:p>
+        </p:txBody>
+      </p:sp>
+    </p:spTree>
+    <p:extLst>
+      <p:ext uri="{BB962C8B-B14F-4D97-AF65-F5344CB8AC3E}">
+        <p14:creationId xmlns:p14="http://schemas.microsoft.com/office/powerpoint/2010/main" val="3878661921"/>
+      </p:ext>
+    </p:extLst>
+  </p:cSld>
+  <p:clrMapOvr>
+    <a:masterClrMapping/>
+  </p:clrMapOvr>
+</p:sld>
+</file>
+
+<file path=ppt/slides/slide12.xml><?xml version="1.0" encoding="utf-8"?>
+<p:sld xmlns:a="http://schemas.openxmlformats.org/drawingml/2006/main" xmlns:r="http://schemas.openxmlformats.org/officeDocument/2006/relationships" xmlns:p="http://schemas.openxmlformats.org/presentationml/2006/main">
+  <p:cSld>
+    <p:spTree>
+      <p:nvGrpSpPr>
+        <p:cNvPr id="1" name="">
+          <a:extLst>
+            <a:ext uri="{FF2B5EF4-FFF2-40B4-BE49-F238E27FC236}">
               <a16:creationId xmlns:a16="http://schemas.microsoft.com/office/drawing/2014/main" id="{A0AFCE31-DC28-AE75-0689-BF21A3E57FAB}"/>
             </a:ext>
           </a:extLst>
@@ -4717,7 +4953,7 @@
 </p:sld>
 </file>
 
-<file path=ppt/slides/slide12.xml><?xml version="1.0" encoding="utf-8"?>
+<file path=ppt/slides/slide13.xml><?xml version="1.0" encoding="utf-8"?>
 <p:sld xmlns:a="http://schemas.openxmlformats.org/drawingml/2006/main" xmlns:r="http://schemas.openxmlformats.org/officeDocument/2006/relationships" xmlns:p="http://schemas.openxmlformats.org/presentationml/2006/main">
   <p:cSld>
     <p:spTree>
@@ -5034,7 +5270,7 @@
 </p:sld>
 </file>
 
-<file path=ppt/slides/slide13.xml><?xml version="1.0" encoding="utf-8"?>
+<file path=ppt/slides/slide14.xml><?xml version="1.0" encoding="utf-8"?>
 <p:sld xmlns:a="http://schemas.openxmlformats.org/drawingml/2006/main" xmlns:r="http://schemas.openxmlformats.org/officeDocument/2006/relationships" xmlns:p="http://schemas.openxmlformats.org/presentationml/2006/main">
   <p:cSld>
     <p:spTree>
@@ -5332,7 +5568,7 @@
 </p:sld>
 </file>
 
-<file path=ppt/slides/slide14.xml><?xml version="1.0" encoding="utf-8"?>
+<file path=ppt/slides/slide15.xml><?xml version="1.0" encoding="utf-8"?>
 <p:sld xmlns:a="http://schemas.openxmlformats.org/drawingml/2006/main" xmlns:r="http://schemas.openxmlformats.org/officeDocument/2006/relationships" xmlns:p="http://schemas.openxmlformats.org/presentationml/2006/main">
   <p:cSld>
     <p:spTree>
@@ -5486,11 +5722,14 @@
               <a:buFont typeface="+mj-lt"/>
               <a:buAutoNum type="arabicPeriod"/>
             </a:pPr>
-            <a:endParaRPr lang="en-US" sz="1400" dirty="0">
-              <a:latin typeface="Roboto" panose="02000000000000000000" pitchFamily="2" charset="0"/>
-              <a:ea typeface="Roboto" panose="02000000000000000000" pitchFamily="2" charset="0"/>
-              <a:cs typeface="Roboto" panose="02000000000000000000" pitchFamily="2" charset="0"/>
-            </a:endParaRPr>
+            <a:r>
+              <a:rPr lang="en-US" sz="1400" dirty="0">
+                <a:latin typeface="Roboto" panose="02000000000000000000" pitchFamily="2" charset="0"/>
+                <a:ea typeface="Roboto" panose="02000000000000000000" pitchFamily="2" charset="0"/>
+                <a:cs typeface="Roboto" panose="02000000000000000000" pitchFamily="2" charset="0"/>
+              </a:rPr>
+              <a:t>Create a new console project named ‘Module3’</a:t>
+            </a:r>
           </a:p>
           <a:p>
             <a:pPr marL="800100" lvl="1" indent="-342900">
@@ -5506,6 +5745,54 @@
                 <a:ea typeface="Roboto" panose="02000000000000000000" pitchFamily="2" charset="0"/>
                 <a:cs typeface="Roboto" panose="02000000000000000000" pitchFamily="2" charset="0"/>
               </a:rPr>
+              <a:t>Write a selenium script for the following </a:t>
+            </a:r>
+            <a:r>
+              <a:rPr lang="en-US" sz="1400" dirty="0">
+                <a:latin typeface="Roboto" panose="02000000000000000000" pitchFamily="2" charset="0"/>
+                <a:ea typeface="Roboto" panose="02000000000000000000" pitchFamily="2" charset="0"/>
+                <a:cs typeface="Roboto" panose="02000000000000000000" pitchFamily="2" charset="0"/>
+                <a:hlinkClick r:id="rId3" action="ppaction://hlinksldjump"/>
+              </a:rPr>
+              <a:t>Test Steps</a:t>
+            </a:r>
+            <a:endParaRPr lang="en-US" sz="1400" dirty="0">
+              <a:latin typeface="Roboto" panose="02000000000000000000" pitchFamily="2" charset="0"/>
+              <a:ea typeface="Roboto" panose="02000000000000000000" pitchFamily="2" charset="0"/>
+              <a:cs typeface="Roboto" panose="02000000000000000000" pitchFamily="2" charset="0"/>
+            </a:endParaRPr>
+          </a:p>
+          <a:p>
+            <a:pPr marL="800100" lvl="1" indent="-342900">
+              <a:lnSpc>
+                <a:spcPct val="200000"/>
+              </a:lnSpc>
+              <a:buFont typeface="+mj-lt"/>
+              <a:buAutoNum type="arabicPeriod"/>
+            </a:pPr>
+            <a:r>
+              <a:rPr lang="en-US" sz="1400" dirty="0">
+                <a:latin typeface="Roboto" panose="02000000000000000000" pitchFamily="2" charset="0"/>
+                <a:ea typeface="Roboto" panose="02000000000000000000" pitchFamily="2" charset="0"/>
+                <a:cs typeface="Roboto" panose="02000000000000000000" pitchFamily="2" charset="0"/>
+              </a:rPr>
+              <a:t>Use combination of locator types - Id, CssSelector, XPath</a:t>
+            </a:r>
+          </a:p>
+          <a:p>
+            <a:pPr marL="800100" lvl="1" indent="-342900">
+              <a:lnSpc>
+                <a:spcPct val="200000"/>
+              </a:lnSpc>
+              <a:buFont typeface="+mj-lt"/>
+              <a:buAutoNum type="arabicPeriod"/>
+            </a:pPr>
+            <a:r>
+              <a:rPr lang="en-US" sz="1400" dirty="0">
+                <a:latin typeface="Roboto" panose="02000000000000000000" pitchFamily="2" charset="0"/>
+                <a:ea typeface="Roboto" panose="02000000000000000000" pitchFamily="2" charset="0"/>
+                <a:cs typeface="Roboto" panose="02000000000000000000" pitchFamily="2" charset="0"/>
+              </a:rPr>
               <a:t>Push your code to your GitHub Repo using GitHub Desktop Application</a:t>
             </a:r>
           </a:p>
@@ -5515,6 +5802,365 @@
     <p:extLst>
       <p:ext uri="{BB962C8B-B14F-4D97-AF65-F5344CB8AC3E}">
         <p14:creationId xmlns:p14="http://schemas.microsoft.com/office/powerpoint/2010/main" val="830318629"/>
+      </p:ext>
+    </p:extLst>
+  </p:cSld>
+  <p:clrMapOvr>
+    <a:masterClrMapping/>
+  </p:clrMapOvr>
+</p:sld>
+</file>
+
+<file path=ppt/slides/slide16.xml><?xml version="1.0" encoding="utf-8"?>
+<p:sld xmlns:a="http://schemas.openxmlformats.org/drawingml/2006/main" xmlns:r="http://schemas.openxmlformats.org/officeDocument/2006/relationships" xmlns:p="http://schemas.openxmlformats.org/presentationml/2006/main">
+  <p:cSld>
+    <p:spTree>
+      <p:nvGrpSpPr>
+        <p:cNvPr id="1" name="">
+          <a:extLst>
+            <a:ext uri="{FF2B5EF4-FFF2-40B4-BE49-F238E27FC236}">
+              <a16:creationId xmlns:a16="http://schemas.microsoft.com/office/drawing/2014/main" id="{ADE6516F-67C9-8CD8-F6D0-0EDC7DF63D10}"/>
+            </a:ext>
+          </a:extLst>
+        </p:cNvPr>
+        <p:cNvGrpSpPr/>
+        <p:nvPr/>
+      </p:nvGrpSpPr>
+      <p:grpSpPr>
+        <a:xfrm>
+          <a:off x="0" y="0"/>
+          <a:ext cx="0" cy="0"/>
+          <a:chOff x="0" y="0"/>
+          <a:chExt cx="0" cy="0"/>
+        </a:xfrm>
+      </p:grpSpPr>
+      <p:grpSp>
+        <p:nvGrpSpPr>
+          <p:cNvPr id="8" name="Group 7">
+            <a:extLst>
+              <a:ext uri="{FF2B5EF4-FFF2-40B4-BE49-F238E27FC236}">
+                <a16:creationId xmlns:a16="http://schemas.microsoft.com/office/drawing/2014/main" id="{71C7D9C9-4C23-0B84-A305-3D04BE811B19}"/>
+              </a:ext>
+            </a:extLst>
+          </p:cNvPr>
+          <p:cNvGrpSpPr/>
+          <p:nvPr/>
+        </p:nvGrpSpPr>
+        <p:grpSpPr>
+          <a:xfrm>
+            <a:off x="1" y="-4473"/>
+            <a:ext cx="12191999" cy="1798983"/>
+            <a:chOff x="1" y="-4473"/>
+            <a:chExt cx="12191999" cy="1798983"/>
+          </a:xfrm>
+        </p:grpSpPr>
+        <p:pic>
+          <p:nvPicPr>
+            <p:cNvPr id="4" name="image2.png">
+              <a:extLst>
+                <a:ext uri="{FF2B5EF4-FFF2-40B4-BE49-F238E27FC236}">
+                  <a16:creationId xmlns:a16="http://schemas.microsoft.com/office/drawing/2014/main" id="{FAEB3CD1-AA19-7CD9-920B-78AC88B7F19D}"/>
+                </a:ext>
+              </a:extLst>
+            </p:cNvPr>
+            <p:cNvPicPr/>
+            <p:nvPr/>
+          </p:nvPicPr>
+          <p:blipFill>
+            <a:blip r:embed="rId2"/>
+            <a:srcRect r="17643"/>
+            <a:stretch/>
+          </p:blipFill>
+          <p:spPr>
+            <a:xfrm>
+              <a:off x="1" y="0"/>
+              <a:ext cx="6410035" cy="1794510"/>
+            </a:xfrm>
+            <a:prstGeom prst="rect">
+              <a:avLst/>
+            </a:prstGeom>
+            <a:ln/>
+          </p:spPr>
+        </p:pic>
+        <p:pic>
+          <p:nvPicPr>
+            <p:cNvPr id="7" name="image2.png">
+              <a:extLst>
+                <a:ext uri="{FF2B5EF4-FFF2-40B4-BE49-F238E27FC236}">
+                  <a16:creationId xmlns:a16="http://schemas.microsoft.com/office/drawing/2014/main" id="{146B0B4C-D31D-3E08-5750-937C28FB4F50}"/>
+                </a:ext>
+              </a:extLst>
+            </p:cNvPr>
+            <p:cNvPicPr/>
+            <p:nvPr/>
+          </p:nvPicPr>
+          <p:blipFill>
+            <a:blip r:embed="rId2"/>
+            <a:srcRect l="74798" r="17643"/>
+            <a:stretch/>
+          </p:blipFill>
+          <p:spPr>
+            <a:xfrm>
+              <a:off x="5821680" y="-4473"/>
+              <a:ext cx="6370320" cy="1794510"/>
+            </a:xfrm>
+            <a:prstGeom prst="rect">
+              <a:avLst/>
+            </a:prstGeom>
+            <a:ln/>
+          </p:spPr>
+        </p:pic>
+      </p:grpSp>
+      <p:sp>
+        <p:nvSpPr>
+          <p:cNvPr id="12" name="Content Placeholder 11">
+            <a:extLst>
+              <a:ext uri="{FF2B5EF4-FFF2-40B4-BE49-F238E27FC236}">
+                <a16:creationId xmlns:a16="http://schemas.microsoft.com/office/drawing/2014/main" id="{8A363AD9-BD32-944D-EABE-6FB7F53B4E9D}"/>
+              </a:ext>
+            </a:extLst>
+          </p:cNvPr>
+          <p:cNvSpPr>
+            <a:spLocks noGrp="1"/>
+          </p:cNvSpPr>
+          <p:nvPr>
+            <p:ph sz="half" idx="1"/>
+          </p:nvPr>
+        </p:nvSpPr>
+        <p:spPr>
+          <a:xfrm>
+            <a:off x="838199" y="1422400"/>
+            <a:ext cx="10867373" cy="4754563"/>
+          </a:xfrm>
+        </p:spPr>
+        <p:txBody>
+          <a:bodyPr>
+            <a:normAutofit/>
+          </a:bodyPr>
+          <a:lstStyle/>
+          <a:p>
+            <a:pPr marL="0" indent="0">
+              <a:lnSpc>
+                <a:spcPct val="200000"/>
+              </a:lnSpc>
+              <a:buNone/>
+            </a:pPr>
+            <a:r>
+              <a:rPr lang="en-US" sz="1600" b="1" dirty="0">
+                <a:solidFill>
+                  <a:schemeClr val="accent2"/>
+                </a:solidFill>
+                <a:latin typeface="Roboto" panose="02000000000000000000" pitchFamily="2" charset="0"/>
+                <a:ea typeface="Roboto" panose="02000000000000000000" pitchFamily="2" charset="0"/>
+                <a:cs typeface="Roboto" panose="02000000000000000000" pitchFamily="2" charset="0"/>
+              </a:rPr>
+              <a:t>Test Steps</a:t>
+            </a:r>
+          </a:p>
+          <a:p>
+            <a:pPr marL="800100" lvl="1" indent="-342900">
+              <a:lnSpc>
+                <a:spcPct val="200000"/>
+              </a:lnSpc>
+              <a:buFont typeface="+mj-lt"/>
+              <a:buAutoNum type="arabicPeriod"/>
+            </a:pPr>
+            <a:r>
+              <a:rPr lang="en-US" sz="1400" dirty="0">
+                <a:latin typeface="Roboto" panose="02000000000000000000" pitchFamily="2" charset="0"/>
+                <a:ea typeface="Roboto" panose="02000000000000000000" pitchFamily="2" charset="0"/>
+                <a:cs typeface="Roboto" panose="02000000000000000000" pitchFamily="2" charset="0"/>
+              </a:rPr>
+              <a:t>Open Chrome Browser</a:t>
+            </a:r>
+          </a:p>
+          <a:p>
+            <a:pPr marL="800100" lvl="1" indent="-342900">
+              <a:lnSpc>
+                <a:spcPct val="200000"/>
+              </a:lnSpc>
+              <a:buFont typeface="+mj-lt"/>
+              <a:buAutoNum type="arabicPeriod"/>
+            </a:pPr>
+            <a:r>
+              <a:rPr lang="en-US" sz="1400" dirty="0">
+                <a:latin typeface="Roboto" panose="02000000000000000000" pitchFamily="2" charset="0"/>
+                <a:ea typeface="Roboto" panose="02000000000000000000" pitchFamily="2" charset="0"/>
+                <a:cs typeface="Roboto" panose="02000000000000000000" pitchFamily="2" charset="0"/>
+              </a:rPr>
+              <a:t>Navigate to URL </a:t>
+            </a:r>
+            <a:r>
+              <a:rPr lang="en-US" sz="1400" dirty="0">
+                <a:latin typeface="Roboto" panose="02000000000000000000" pitchFamily="2" charset="0"/>
+                <a:ea typeface="Roboto" panose="02000000000000000000" pitchFamily="2" charset="0"/>
+                <a:cs typeface="Roboto" panose="02000000000000000000" pitchFamily="2" charset="0"/>
+                <a:hlinkClick r:id="rId3"/>
+              </a:rPr>
+              <a:t>https://www.saucedemo.com/</a:t>
+            </a:r>
+            <a:endParaRPr lang="en-US" sz="1400" dirty="0">
+              <a:latin typeface="Roboto" panose="02000000000000000000" pitchFamily="2" charset="0"/>
+              <a:ea typeface="Roboto" panose="02000000000000000000" pitchFamily="2" charset="0"/>
+              <a:cs typeface="Roboto" panose="02000000000000000000" pitchFamily="2" charset="0"/>
+            </a:endParaRPr>
+          </a:p>
+          <a:p>
+            <a:pPr marL="800100" lvl="1" indent="-342900">
+              <a:lnSpc>
+                <a:spcPct val="200000"/>
+              </a:lnSpc>
+              <a:buFont typeface="+mj-lt"/>
+              <a:buAutoNum type="arabicPeriod"/>
+            </a:pPr>
+            <a:r>
+              <a:rPr lang="en-US" sz="1400" dirty="0">
+                <a:latin typeface="Roboto" panose="02000000000000000000" pitchFamily="2" charset="0"/>
+                <a:ea typeface="Roboto" panose="02000000000000000000" pitchFamily="2" charset="0"/>
+                <a:cs typeface="Roboto" panose="02000000000000000000" pitchFamily="2" charset="0"/>
+              </a:rPr>
+              <a:t>Input </a:t>
+            </a:r>
+            <a:r>
+              <a:rPr lang="en-US" sz="1400" dirty="0" err="1">
+                <a:latin typeface="Roboto" panose="02000000000000000000" pitchFamily="2" charset="0"/>
+                <a:ea typeface="Roboto" panose="02000000000000000000" pitchFamily="2" charset="0"/>
+                <a:cs typeface="Roboto" panose="02000000000000000000" pitchFamily="2" charset="0"/>
+              </a:rPr>
+              <a:t>UserName</a:t>
+            </a:r>
+            <a:r>
+              <a:rPr lang="en-US" sz="1400" dirty="0">
+                <a:latin typeface="Roboto" panose="02000000000000000000" pitchFamily="2" charset="0"/>
+                <a:ea typeface="Roboto" panose="02000000000000000000" pitchFamily="2" charset="0"/>
+                <a:cs typeface="Roboto" panose="02000000000000000000" pitchFamily="2" charset="0"/>
+              </a:rPr>
+              <a:t> {</a:t>
+            </a:r>
+            <a:r>
+              <a:rPr lang="en-US" sz="1400" dirty="0" err="1">
+                <a:latin typeface="Roboto" panose="02000000000000000000" pitchFamily="2" charset="0"/>
+                <a:ea typeface="Roboto" panose="02000000000000000000" pitchFamily="2" charset="0"/>
+                <a:cs typeface="Roboto" panose="02000000000000000000" pitchFamily="2" charset="0"/>
+              </a:rPr>
+              <a:t>standard_user</a:t>
+            </a:r>
+            <a:r>
+              <a:rPr lang="en-US" sz="1400" dirty="0">
+                <a:latin typeface="Roboto" panose="02000000000000000000" pitchFamily="2" charset="0"/>
+                <a:ea typeface="Roboto" panose="02000000000000000000" pitchFamily="2" charset="0"/>
+                <a:cs typeface="Roboto" panose="02000000000000000000" pitchFamily="2" charset="0"/>
+              </a:rPr>
+              <a:t>}</a:t>
+            </a:r>
+          </a:p>
+          <a:p>
+            <a:pPr marL="800100" lvl="1" indent="-342900">
+              <a:lnSpc>
+                <a:spcPct val="200000"/>
+              </a:lnSpc>
+              <a:buFont typeface="+mj-lt"/>
+              <a:buAutoNum type="arabicPeriod"/>
+            </a:pPr>
+            <a:r>
+              <a:rPr lang="en-US" sz="1400" dirty="0">
+                <a:latin typeface="Roboto" panose="02000000000000000000" pitchFamily="2" charset="0"/>
+                <a:ea typeface="Roboto" panose="02000000000000000000" pitchFamily="2" charset="0"/>
+                <a:cs typeface="Roboto" panose="02000000000000000000" pitchFamily="2" charset="0"/>
+              </a:rPr>
+              <a:t>Input Password {</a:t>
+            </a:r>
+            <a:r>
+              <a:rPr lang="en-US" sz="1400" dirty="0" err="1">
+                <a:latin typeface="Roboto" panose="02000000000000000000" pitchFamily="2" charset="0"/>
+                <a:ea typeface="Roboto" panose="02000000000000000000" pitchFamily="2" charset="0"/>
+                <a:cs typeface="Roboto" panose="02000000000000000000" pitchFamily="2" charset="0"/>
+              </a:rPr>
+              <a:t>secret_sauce</a:t>
+            </a:r>
+            <a:r>
+              <a:rPr lang="en-US" sz="1400" dirty="0">
+                <a:latin typeface="Roboto" panose="02000000000000000000" pitchFamily="2" charset="0"/>
+                <a:ea typeface="Roboto" panose="02000000000000000000" pitchFamily="2" charset="0"/>
+                <a:cs typeface="Roboto" panose="02000000000000000000" pitchFamily="2" charset="0"/>
+              </a:rPr>
+              <a:t>}</a:t>
+            </a:r>
+          </a:p>
+          <a:p>
+            <a:pPr marL="800100" lvl="1" indent="-342900">
+              <a:lnSpc>
+                <a:spcPct val="200000"/>
+              </a:lnSpc>
+              <a:buFont typeface="+mj-lt"/>
+              <a:buAutoNum type="arabicPeriod"/>
+            </a:pPr>
+            <a:r>
+              <a:rPr lang="en-US" sz="1400" dirty="0">
+                <a:latin typeface="Roboto" panose="02000000000000000000" pitchFamily="2" charset="0"/>
+                <a:ea typeface="Roboto" panose="02000000000000000000" pitchFamily="2" charset="0"/>
+                <a:cs typeface="Roboto" panose="02000000000000000000" pitchFamily="2" charset="0"/>
+              </a:rPr>
+              <a:t>Click Login Button</a:t>
+            </a:r>
+          </a:p>
+          <a:p>
+            <a:pPr marL="800100" lvl="1" indent="-342900">
+              <a:lnSpc>
+                <a:spcPct val="200000"/>
+              </a:lnSpc>
+              <a:buFont typeface="+mj-lt"/>
+              <a:buAutoNum type="arabicPeriod"/>
+            </a:pPr>
+            <a:r>
+              <a:rPr lang="en-US" sz="1400" dirty="0">
+                <a:latin typeface="Roboto" panose="02000000000000000000" pitchFamily="2" charset="0"/>
+                <a:ea typeface="Roboto" panose="02000000000000000000" pitchFamily="2" charset="0"/>
+                <a:cs typeface="Roboto" panose="02000000000000000000" pitchFamily="2" charset="0"/>
+              </a:rPr>
+              <a:t>Click Burger Menu</a:t>
+            </a:r>
+          </a:p>
+          <a:p>
+            <a:pPr marL="800100" lvl="1" indent="-342900">
+              <a:lnSpc>
+                <a:spcPct val="200000"/>
+              </a:lnSpc>
+              <a:buFont typeface="+mj-lt"/>
+              <a:buAutoNum type="arabicPeriod"/>
+            </a:pPr>
+            <a:r>
+              <a:rPr lang="en-US" sz="1400" dirty="0">
+                <a:latin typeface="Roboto" panose="02000000000000000000" pitchFamily="2" charset="0"/>
+                <a:ea typeface="Roboto" panose="02000000000000000000" pitchFamily="2" charset="0"/>
+                <a:cs typeface="Roboto" panose="02000000000000000000" pitchFamily="2" charset="0"/>
+              </a:rPr>
+              <a:t>Click Logout</a:t>
+            </a:r>
+          </a:p>
+          <a:p>
+            <a:pPr marL="800100" lvl="1" indent="-342900">
+              <a:lnSpc>
+                <a:spcPct val="200000"/>
+              </a:lnSpc>
+              <a:buFont typeface="+mj-lt"/>
+              <a:buAutoNum type="arabicPeriod"/>
+            </a:pPr>
+            <a:r>
+              <a:rPr lang="en-US" sz="1400" dirty="0">
+                <a:latin typeface="Roboto" panose="02000000000000000000" pitchFamily="2" charset="0"/>
+                <a:ea typeface="Roboto" panose="02000000000000000000" pitchFamily="2" charset="0"/>
+                <a:cs typeface="Roboto" panose="02000000000000000000" pitchFamily="2" charset="0"/>
+              </a:rPr>
+              <a:t>Close Chrome Browser</a:t>
+            </a:r>
+          </a:p>
+        </p:txBody>
+      </p:sp>
+    </p:spTree>
+    <p:extLst>
+      <p:ext uri="{BB962C8B-B14F-4D97-AF65-F5344CB8AC3E}">
+        <p14:creationId xmlns:p14="http://schemas.microsoft.com/office/powerpoint/2010/main" val="2336974149"/>
       </p:ext>
     </p:extLst>
   </p:cSld>

--- a/Deck/Module 3 - WebDriver Basics.pptx
+++ b/Deck/Module 3 - WebDriver Basics.pptx
@@ -5776,7 +5776,47 @@
                 <a:ea typeface="Roboto" panose="02000000000000000000" pitchFamily="2" charset="0"/>
                 <a:cs typeface="Roboto" panose="02000000000000000000" pitchFamily="2" charset="0"/>
               </a:rPr>
-              <a:t>Use combination of locator types - Id, CssSelector, XPath</a:t>
+              <a:t>Use combination of locator types - </a:t>
+            </a:r>
+            <a:r>
+              <a:rPr lang="en-US" sz="1400" b="1" dirty="0">
+                <a:latin typeface="Roboto" panose="02000000000000000000" pitchFamily="2" charset="0"/>
+                <a:ea typeface="Roboto" panose="02000000000000000000" pitchFamily="2" charset="0"/>
+                <a:cs typeface="Roboto" panose="02000000000000000000" pitchFamily="2" charset="0"/>
+              </a:rPr>
+              <a:t>Id</a:t>
+            </a:r>
+            <a:r>
+              <a:rPr lang="en-US" sz="1400" dirty="0">
+                <a:latin typeface="Roboto" panose="02000000000000000000" pitchFamily="2" charset="0"/>
+                <a:ea typeface="Roboto" panose="02000000000000000000" pitchFamily="2" charset="0"/>
+                <a:cs typeface="Roboto" panose="02000000000000000000" pitchFamily="2" charset="0"/>
+              </a:rPr>
+              <a:t>, </a:t>
+            </a:r>
+            <a:r>
+              <a:rPr lang="en-US" sz="1400" b="1" dirty="0">
+                <a:latin typeface="Roboto" panose="02000000000000000000" pitchFamily="2" charset="0"/>
+                <a:ea typeface="Roboto" panose="02000000000000000000" pitchFamily="2" charset="0"/>
+                <a:cs typeface="Roboto" panose="02000000000000000000" pitchFamily="2" charset="0"/>
+              </a:rPr>
+              <a:t>CssSelector</a:t>
+            </a:r>
+            <a:r>
+              <a:rPr lang="en-US" sz="1400" dirty="0">
+                <a:latin typeface="Roboto" panose="02000000000000000000" pitchFamily="2" charset="0"/>
+                <a:ea typeface="Roboto" panose="02000000000000000000" pitchFamily="2" charset="0"/>
+                <a:cs typeface="Roboto" panose="02000000000000000000" pitchFamily="2" charset="0"/>
+              </a:rPr>
+              <a:t>, </a:t>
+            </a:r>
+            <a:r>
+              <a:rPr lang="en-US" sz="1400" b="1" dirty="0">
+                <a:latin typeface="Roboto" panose="02000000000000000000" pitchFamily="2" charset="0"/>
+                <a:ea typeface="Roboto" panose="02000000000000000000" pitchFamily="2" charset="0"/>
+                <a:cs typeface="Roboto" panose="02000000000000000000" pitchFamily="2" charset="0"/>
+              </a:rPr>
+              <a:t>XPath</a:t>
             </a:r>
           </a:p>
           <a:p>
